--- a/Project_02_NeuralSpikeDecoding/report/CCN_final_project_team-7_1218.pptx
+++ b/Project_02_NeuralSpikeDecoding/report/CCN_final_project_team-7_1218.pptx
@@ -227,7 +227,7 @@
           <a:p>
             <a:fld id="{FF2F16BA-0AFF-8747-A99F-B5276DCBB353}" type="datetimeFigureOut">
               <a:rPr lang="en-KR" smtClean="0"/>
-              <a:t>2021/12/18</a:t>
+              <a:t>2021/12/20</a:t>
             </a:fld>
             <a:endParaRPr lang="en-KR"/>
           </a:p>
@@ -926,7 +926,7 @@
           <a:p>
             <a:fld id="{D4F6D8B3-29BE-41C9-8E49-D64F47D440D4}" type="datetimeFigureOut">
               <a:rPr lang="ko-KR" altLang="en-US" smtClean="0"/>
-              <a:t>2021. 12. 18.</a:t>
+              <a:t>2021. 12. 20.</a:t>
             </a:fld>
             <a:endParaRPr lang="ko-KR" altLang="en-US"/>
           </a:p>
@@ -1094,7 +1094,7 @@
           <a:p>
             <a:fld id="{D4F6D8B3-29BE-41C9-8E49-D64F47D440D4}" type="datetimeFigureOut">
               <a:rPr lang="ko-KR" altLang="en-US" smtClean="0"/>
-              <a:t>2021. 12. 18.</a:t>
+              <a:t>2021. 12. 20.</a:t>
             </a:fld>
             <a:endParaRPr lang="ko-KR" altLang="en-US"/>
           </a:p>
@@ -1272,7 +1272,7 @@
           <a:p>
             <a:fld id="{D4F6D8B3-29BE-41C9-8E49-D64F47D440D4}" type="datetimeFigureOut">
               <a:rPr lang="ko-KR" altLang="en-US" smtClean="0"/>
-              <a:t>2021. 12. 18.</a:t>
+              <a:t>2021. 12. 20.</a:t>
             </a:fld>
             <a:endParaRPr lang="ko-KR" altLang="en-US"/>
           </a:p>
@@ -1440,7 +1440,7 @@
           <a:p>
             <a:fld id="{D4F6D8B3-29BE-41C9-8E49-D64F47D440D4}" type="datetimeFigureOut">
               <a:rPr lang="ko-KR" altLang="en-US" smtClean="0"/>
-              <a:t>2021. 12. 18.</a:t>
+              <a:t>2021. 12. 20.</a:t>
             </a:fld>
             <a:endParaRPr lang="ko-KR" altLang="en-US"/>
           </a:p>
@@ -1685,7 +1685,7 @@
           <a:p>
             <a:fld id="{D4F6D8B3-29BE-41C9-8E49-D64F47D440D4}" type="datetimeFigureOut">
               <a:rPr lang="ko-KR" altLang="en-US" smtClean="0"/>
-              <a:t>2021. 12. 18.</a:t>
+              <a:t>2021. 12. 20.</a:t>
             </a:fld>
             <a:endParaRPr lang="ko-KR" altLang="en-US"/>
           </a:p>
@@ -1970,7 +1970,7 @@
           <a:p>
             <a:fld id="{D4F6D8B3-29BE-41C9-8E49-D64F47D440D4}" type="datetimeFigureOut">
               <a:rPr lang="ko-KR" altLang="en-US" smtClean="0"/>
-              <a:t>2021. 12. 18.</a:t>
+              <a:t>2021. 12. 20.</a:t>
             </a:fld>
             <a:endParaRPr lang="ko-KR" altLang="en-US"/>
           </a:p>
@@ -2389,7 +2389,7 @@
           <a:p>
             <a:fld id="{D4F6D8B3-29BE-41C9-8E49-D64F47D440D4}" type="datetimeFigureOut">
               <a:rPr lang="ko-KR" altLang="en-US" smtClean="0"/>
-              <a:t>2021. 12. 18.</a:t>
+              <a:t>2021. 12. 20.</a:t>
             </a:fld>
             <a:endParaRPr lang="ko-KR" altLang="en-US"/>
           </a:p>
@@ -2506,7 +2506,7 @@
           <a:p>
             <a:fld id="{D4F6D8B3-29BE-41C9-8E49-D64F47D440D4}" type="datetimeFigureOut">
               <a:rPr lang="ko-KR" altLang="en-US" smtClean="0"/>
-              <a:t>2021. 12. 18.</a:t>
+              <a:t>2021. 12. 20.</a:t>
             </a:fld>
             <a:endParaRPr lang="ko-KR" altLang="en-US"/>
           </a:p>
@@ -2601,7 +2601,7 @@
           <a:p>
             <a:fld id="{D4F6D8B3-29BE-41C9-8E49-D64F47D440D4}" type="datetimeFigureOut">
               <a:rPr lang="ko-KR" altLang="en-US" smtClean="0"/>
-              <a:t>2021. 12. 18.</a:t>
+              <a:t>2021. 12. 20.</a:t>
             </a:fld>
             <a:endParaRPr lang="ko-KR" altLang="en-US"/>
           </a:p>
@@ -2876,7 +2876,7 @@
           <a:p>
             <a:fld id="{D4F6D8B3-29BE-41C9-8E49-D64F47D440D4}" type="datetimeFigureOut">
               <a:rPr lang="ko-KR" altLang="en-US" smtClean="0"/>
-              <a:t>2021. 12. 18.</a:t>
+              <a:t>2021. 12. 20.</a:t>
             </a:fld>
             <a:endParaRPr lang="ko-KR" altLang="en-US"/>
           </a:p>
@@ -3128,7 +3128,7 @@
           <a:p>
             <a:fld id="{D4F6D8B3-29BE-41C9-8E49-D64F47D440D4}" type="datetimeFigureOut">
               <a:rPr lang="ko-KR" altLang="en-US" smtClean="0"/>
-              <a:t>2021. 12. 18.</a:t>
+              <a:t>2021. 12. 20.</a:t>
             </a:fld>
             <a:endParaRPr lang="ko-KR" altLang="en-US"/>
           </a:p>
@@ -3339,7 +3339,7 @@
           <a:p>
             <a:fld id="{D4F6D8B3-29BE-41C9-8E49-D64F47D440D4}" type="datetimeFigureOut">
               <a:rPr lang="ko-KR" altLang="en-US" smtClean="0"/>
-              <a:t>2021. 12. 18.</a:t>
+              <a:t>2021. 12. 20.</a:t>
             </a:fld>
             <a:endParaRPr lang="ko-KR" altLang="en-US"/>
           </a:p>
@@ -4690,7 +4690,7 @@
             </a:r>
             <a:r>
               <a:rPr lang="ko-KR" altLang="en-US" sz="1400" spc="-80" dirty="0"/>
-              <a:t>축은 난이도의 상승을 막기 위해서 생략함</a:t>
+              <a:t>축은 변동이 적고 의미가 적을 것이라  판단하여 생략함</a:t>
             </a:r>
             <a:endParaRPr lang="en-US" altLang="ko-KR" sz="1400" spc="-80" dirty="0"/>
           </a:p>
@@ -8560,7 +8560,7 @@
             </a:pPr>
             <a:r>
               <a:rPr lang="en-US" altLang="ko-KR" sz="1400" spc="-80" dirty="0"/>
-              <a:t>Preprocessing</a:t>
+              <a:t>Preprocessing: classification</a:t>
             </a:r>
           </a:p>
           <a:p>
@@ -8597,7 +8597,7 @@
         </p:blipFill>
         <p:spPr>
           <a:xfrm>
-            <a:off x="2088184" y="1268760"/>
+            <a:off x="2483768" y="1268760"/>
             <a:ext cx="4320480" cy="4755222"/>
           </a:xfrm>
           <a:prstGeom prst="rect">
@@ -8619,7 +8619,7 @@
         </p:nvSpPr>
         <p:spPr>
           <a:xfrm>
-            <a:off x="5337430" y="379406"/>
+            <a:off x="6174868" y="379406"/>
             <a:ext cx="1925524" cy="454612"/>
           </a:xfrm>
           <a:prstGeom prst="rect">
@@ -8662,7 +8662,7 @@
         </p:nvCxnSpPr>
         <p:spPr>
           <a:xfrm>
-            <a:off x="6300192" y="842521"/>
+            <a:off x="6660232" y="842521"/>
             <a:ext cx="0" cy="642263"/>
           </a:xfrm>
           <a:prstGeom prst="straightConnector1">
